--- a/DL-PRESENTATION.pptx
+++ b/DL-PRESENTATION.pptx
@@ -5,48 +5,52 @@
     <p:sldMasterId id="2147483673" r:id="rId1"/>
   </p:sldMasterIdLst>
   <p:notesMasterIdLst>
-    <p:notesMasterId r:id="rId13"/>
+    <p:notesMasterId r:id="rId17"/>
   </p:notesMasterIdLst>
   <p:sldIdLst>
     <p:sldId id="256" r:id="rId2"/>
     <p:sldId id="258" r:id="rId3"/>
     <p:sldId id="261" r:id="rId4"/>
     <p:sldId id="298" r:id="rId5"/>
-    <p:sldId id="299" r:id="rId6"/>
-    <p:sldId id="300" r:id="rId7"/>
-    <p:sldId id="301" r:id="rId8"/>
-    <p:sldId id="302" r:id="rId9"/>
-    <p:sldId id="303" r:id="rId10"/>
-    <p:sldId id="270" r:id="rId11"/>
-    <p:sldId id="260" r:id="rId12"/>
+    <p:sldId id="306" r:id="rId6"/>
+    <p:sldId id="299" r:id="rId7"/>
+    <p:sldId id="300" r:id="rId8"/>
+    <p:sldId id="301" r:id="rId9"/>
+    <p:sldId id="307" r:id="rId10"/>
+    <p:sldId id="308" r:id="rId11"/>
+    <p:sldId id="304" r:id="rId12"/>
+    <p:sldId id="305" r:id="rId13"/>
+    <p:sldId id="303" r:id="rId14"/>
+    <p:sldId id="270" r:id="rId15"/>
+    <p:sldId id="260" r:id="rId16"/>
   </p:sldIdLst>
   <p:sldSz cx="9144000" cy="5143500" type="screen16x9"/>
   <p:notesSz cx="6858000" cy="9144000"/>
   <p:embeddedFontLst>
     <p:embeddedFont>
       <p:font typeface="Exo 2" panose="020B0604020202020204" charset="0"/>
-      <p:regular r:id="rId14"/>
-      <p:bold r:id="rId15"/>
-      <p:italic r:id="rId16"/>
-      <p:boldItalic r:id="rId17"/>
-    </p:embeddedFont>
-    <p:embeddedFont>
-      <p:font typeface="Fira Sans Extra Condensed Medium" panose="020B0604020202020204" charset="0"/>
       <p:regular r:id="rId18"/>
       <p:bold r:id="rId19"/>
       <p:italic r:id="rId20"/>
       <p:boldItalic r:id="rId21"/>
     </p:embeddedFont>
     <p:embeddedFont>
-      <p:font typeface="Roboto Condensed Light" panose="020B0604020202020204" charset="0"/>
+      <p:font typeface="Fira Sans Extra Condensed Medium" panose="020B0604020202020204" charset="0"/>
       <p:regular r:id="rId22"/>
       <p:bold r:id="rId23"/>
       <p:italic r:id="rId24"/>
       <p:boldItalic r:id="rId25"/>
     </p:embeddedFont>
     <p:embeddedFont>
+      <p:font typeface="Roboto Condensed Light" panose="020B0604020202020204" charset="0"/>
+      <p:regular r:id="rId26"/>
+      <p:bold r:id="rId27"/>
+      <p:italic r:id="rId28"/>
+      <p:boldItalic r:id="rId29"/>
+    </p:embeddedFont>
+    <p:embeddedFont>
       <p:font typeface="Squada One" panose="020B0604020202020204" charset="0"/>
-      <p:regular r:id="rId26"/>
+      <p:regular r:id="rId30"/>
     </p:embeddedFont>
   </p:embeddedFontLst>
   <p:defaultTextStyle>
@@ -278,6 +282,11 @@
       </a:defRPr>
     </a:lvl9pPr>
   </p:defaultTextStyle>
+  <p:extLst>
+    <p:ext uri="{EFAFB233-063F-42B5-8137-9DF3F51BA10A}">
+      <p15:sldGuideLst xmlns:p15="http://schemas.microsoft.com/office/powerpoint/2012/main"/>
+    </p:ext>
+  </p:extLst>
 </p:presentation>
 </file>
 
@@ -839,6 +848,442 @@
   <p:cSld>
     <p:spTree>
       <p:nvGrpSpPr>
+        <p:cNvPr id="1" name="Shape 187"/>
+        <p:cNvGrpSpPr/>
+        <p:nvPr/>
+      </p:nvGrpSpPr>
+      <p:grpSpPr>
+        <a:xfrm>
+          <a:off x="0" y="0"/>
+          <a:ext cx="0" cy="0"/>
+          <a:chOff x="0" y="0"/>
+          <a:chExt cx="0" cy="0"/>
+        </a:xfrm>
+      </p:grpSpPr>
+      <p:sp>
+        <p:nvSpPr>
+          <p:cNvPr id="188" name="Google Shape;188;g41abfbaf28_3_2:notes"/>
+          <p:cNvSpPr>
+            <a:spLocks noGrp="1" noRot="1" noChangeAspect="1"/>
+          </p:cNvSpPr>
+          <p:nvPr>
+            <p:ph type="sldImg" idx="2"/>
+          </p:nvPr>
+        </p:nvSpPr>
+        <p:spPr>
+          <a:xfrm>
+            <a:off x="381000" y="685800"/>
+            <a:ext cx="6096000" cy="3429000"/>
+          </a:xfrm>
+          <a:custGeom>
+            <a:avLst/>
+            <a:gdLst/>
+            <a:ahLst/>
+            <a:cxnLst/>
+            <a:rect l="l" t="t" r="r" b="b"/>
+            <a:pathLst>
+              <a:path w="120000" h="120000" extrusionOk="0">
+                <a:moveTo>
+                  <a:pt x="0" y="0"/>
+                </a:moveTo>
+                <a:lnTo>
+                  <a:pt x="120000" y="0"/>
+                </a:lnTo>
+                <a:lnTo>
+                  <a:pt x="120000" y="120000"/>
+                </a:lnTo>
+                <a:lnTo>
+                  <a:pt x="0" y="120000"/>
+                </a:lnTo>
+                <a:close/>
+              </a:path>
+            </a:pathLst>
+          </a:custGeom>
+        </p:spPr>
+      </p:sp>
+      <p:sp>
+        <p:nvSpPr>
+          <p:cNvPr id="189" name="Google Shape;189;g41abfbaf28_3_2:notes"/>
+          <p:cNvSpPr txBox="1">
+            <a:spLocks noGrp="1"/>
+          </p:cNvSpPr>
+          <p:nvPr>
+            <p:ph type="body" idx="1"/>
+          </p:nvPr>
+        </p:nvSpPr>
+        <p:spPr>
+          <a:xfrm>
+            <a:off x="685800" y="4343400"/>
+            <a:ext cx="5486400" cy="4114800"/>
+          </a:xfrm>
+          <a:prstGeom prst="rect">
+            <a:avLst/>
+          </a:prstGeom>
+        </p:spPr>
+        <p:txBody>
+          <a:bodyPr spcFirstLastPara="1" wrap="square" lIns="91425" tIns="91425" rIns="91425" bIns="91425" anchor="t" anchorCtr="0">
+            <a:noAutofit/>
+          </a:bodyPr>
+          <a:lstStyle/>
+          <a:p>
+            <a:pPr marL="0" lvl="0" indent="0" algn="l" rtl="0">
+              <a:spcBef>
+                <a:spcPts val="0"/>
+              </a:spcBef>
+              <a:spcAft>
+                <a:spcPts val="0"/>
+              </a:spcAft>
+              <a:buNone/>
+            </a:pPr>
+            <a:endParaRPr/>
+          </a:p>
+        </p:txBody>
+      </p:sp>
+    </p:spTree>
+    <p:extLst>
+      <p:ext uri="{BB962C8B-B14F-4D97-AF65-F5344CB8AC3E}">
+        <p14:creationId xmlns:p14="http://schemas.microsoft.com/office/powerpoint/2010/main" val="2969432875"/>
+      </p:ext>
+    </p:extLst>
+  </p:cSld>
+  <p:clrMapOvr>
+    <a:masterClrMapping/>
+  </p:clrMapOvr>
+</p:notes>
+</file>
+
+<file path=ppt/notesSlides/notesSlide11.xml><?xml version="1.0" encoding="utf-8"?>
+<p:notes xmlns:a="http://schemas.openxmlformats.org/drawingml/2006/main" xmlns:r="http://schemas.openxmlformats.org/officeDocument/2006/relationships" xmlns:p="http://schemas.openxmlformats.org/presentationml/2006/main" showMasterSp="0" showMasterPhAnim="0">
+  <p:cSld>
+    <p:spTree>
+      <p:nvGrpSpPr>
+        <p:cNvPr id="1" name="Shape 187"/>
+        <p:cNvGrpSpPr/>
+        <p:nvPr/>
+      </p:nvGrpSpPr>
+      <p:grpSpPr>
+        <a:xfrm>
+          <a:off x="0" y="0"/>
+          <a:ext cx="0" cy="0"/>
+          <a:chOff x="0" y="0"/>
+          <a:chExt cx="0" cy="0"/>
+        </a:xfrm>
+      </p:grpSpPr>
+      <p:sp>
+        <p:nvSpPr>
+          <p:cNvPr id="188" name="Google Shape;188;g41abfbaf28_3_2:notes"/>
+          <p:cNvSpPr>
+            <a:spLocks noGrp="1" noRot="1" noChangeAspect="1"/>
+          </p:cNvSpPr>
+          <p:nvPr>
+            <p:ph type="sldImg" idx="2"/>
+          </p:nvPr>
+        </p:nvSpPr>
+        <p:spPr>
+          <a:xfrm>
+            <a:off x="381000" y="685800"/>
+            <a:ext cx="6096000" cy="3429000"/>
+          </a:xfrm>
+          <a:custGeom>
+            <a:avLst/>
+            <a:gdLst/>
+            <a:ahLst/>
+            <a:cxnLst/>
+            <a:rect l="l" t="t" r="r" b="b"/>
+            <a:pathLst>
+              <a:path w="120000" h="120000" extrusionOk="0">
+                <a:moveTo>
+                  <a:pt x="0" y="0"/>
+                </a:moveTo>
+                <a:lnTo>
+                  <a:pt x="120000" y="0"/>
+                </a:lnTo>
+                <a:lnTo>
+                  <a:pt x="120000" y="120000"/>
+                </a:lnTo>
+                <a:lnTo>
+                  <a:pt x="0" y="120000"/>
+                </a:lnTo>
+                <a:close/>
+              </a:path>
+            </a:pathLst>
+          </a:custGeom>
+        </p:spPr>
+      </p:sp>
+      <p:sp>
+        <p:nvSpPr>
+          <p:cNvPr id="189" name="Google Shape;189;g41abfbaf28_3_2:notes"/>
+          <p:cNvSpPr txBox="1">
+            <a:spLocks noGrp="1"/>
+          </p:cNvSpPr>
+          <p:nvPr>
+            <p:ph type="body" idx="1"/>
+          </p:nvPr>
+        </p:nvSpPr>
+        <p:spPr>
+          <a:xfrm>
+            <a:off x="685800" y="4343400"/>
+            <a:ext cx="5486400" cy="4114800"/>
+          </a:xfrm>
+          <a:prstGeom prst="rect">
+            <a:avLst/>
+          </a:prstGeom>
+        </p:spPr>
+        <p:txBody>
+          <a:bodyPr spcFirstLastPara="1" wrap="square" lIns="91425" tIns="91425" rIns="91425" bIns="91425" anchor="t" anchorCtr="0">
+            <a:noAutofit/>
+          </a:bodyPr>
+          <a:lstStyle/>
+          <a:p>
+            <a:pPr marL="0" lvl="0" indent="0" algn="l" rtl="0">
+              <a:spcBef>
+                <a:spcPts val="0"/>
+              </a:spcBef>
+              <a:spcAft>
+                <a:spcPts val="0"/>
+              </a:spcAft>
+              <a:buNone/>
+            </a:pPr>
+            <a:endParaRPr/>
+          </a:p>
+        </p:txBody>
+      </p:sp>
+    </p:spTree>
+    <p:extLst>
+      <p:ext uri="{BB962C8B-B14F-4D97-AF65-F5344CB8AC3E}">
+        <p14:creationId xmlns:p14="http://schemas.microsoft.com/office/powerpoint/2010/main" val="1966832169"/>
+      </p:ext>
+    </p:extLst>
+  </p:cSld>
+  <p:clrMapOvr>
+    <a:masterClrMapping/>
+  </p:clrMapOvr>
+</p:notes>
+</file>
+
+<file path=ppt/notesSlides/notesSlide12.xml><?xml version="1.0" encoding="utf-8"?>
+<p:notes xmlns:a="http://schemas.openxmlformats.org/drawingml/2006/main" xmlns:r="http://schemas.openxmlformats.org/officeDocument/2006/relationships" xmlns:p="http://schemas.openxmlformats.org/presentationml/2006/main" showMasterSp="0" showMasterPhAnim="0">
+  <p:cSld>
+    <p:spTree>
+      <p:nvGrpSpPr>
+        <p:cNvPr id="1" name="Shape 187"/>
+        <p:cNvGrpSpPr/>
+        <p:nvPr/>
+      </p:nvGrpSpPr>
+      <p:grpSpPr>
+        <a:xfrm>
+          <a:off x="0" y="0"/>
+          <a:ext cx="0" cy="0"/>
+          <a:chOff x="0" y="0"/>
+          <a:chExt cx="0" cy="0"/>
+        </a:xfrm>
+      </p:grpSpPr>
+      <p:sp>
+        <p:nvSpPr>
+          <p:cNvPr id="188" name="Google Shape;188;g41abfbaf28_3_2:notes"/>
+          <p:cNvSpPr>
+            <a:spLocks noGrp="1" noRot="1" noChangeAspect="1"/>
+          </p:cNvSpPr>
+          <p:nvPr>
+            <p:ph type="sldImg" idx="2"/>
+          </p:nvPr>
+        </p:nvSpPr>
+        <p:spPr>
+          <a:xfrm>
+            <a:off x="381000" y="685800"/>
+            <a:ext cx="6096000" cy="3429000"/>
+          </a:xfrm>
+          <a:custGeom>
+            <a:avLst/>
+            <a:gdLst/>
+            <a:ahLst/>
+            <a:cxnLst/>
+            <a:rect l="l" t="t" r="r" b="b"/>
+            <a:pathLst>
+              <a:path w="120000" h="120000" extrusionOk="0">
+                <a:moveTo>
+                  <a:pt x="0" y="0"/>
+                </a:moveTo>
+                <a:lnTo>
+                  <a:pt x="120000" y="0"/>
+                </a:lnTo>
+                <a:lnTo>
+                  <a:pt x="120000" y="120000"/>
+                </a:lnTo>
+                <a:lnTo>
+                  <a:pt x="0" y="120000"/>
+                </a:lnTo>
+                <a:close/>
+              </a:path>
+            </a:pathLst>
+          </a:custGeom>
+        </p:spPr>
+      </p:sp>
+      <p:sp>
+        <p:nvSpPr>
+          <p:cNvPr id="189" name="Google Shape;189;g41abfbaf28_3_2:notes"/>
+          <p:cNvSpPr txBox="1">
+            <a:spLocks noGrp="1"/>
+          </p:cNvSpPr>
+          <p:nvPr>
+            <p:ph type="body" idx="1"/>
+          </p:nvPr>
+        </p:nvSpPr>
+        <p:spPr>
+          <a:xfrm>
+            <a:off x="685800" y="4343400"/>
+            <a:ext cx="5486400" cy="4114800"/>
+          </a:xfrm>
+          <a:prstGeom prst="rect">
+            <a:avLst/>
+          </a:prstGeom>
+        </p:spPr>
+        <p:txBody>
+          <a:bodyPr spcFirstLastPara="1" wrap="square" lIns="91425" tIns="91425" rIns="91425" bIns="91425" anchor="t" anchorCtr="0">
+            <a:noAutofit/>
+          </a:bodyPr>
+          <a:lstStyle/>
+          <a:p>
+            <a:pPr marL="0" lvl="0" indent="0" algn="l" rtl="0">
+              <a:spcBef>
+                <a:spcPts val="0"/>
+              </a:spcBef>
+              <a:spcAft>
+                <a:spcPts val="0"/>
+              </a:spcAft>
+              <a:buNone/>
+            </a:pPr>
+            <a:endParaRPr/>
+          </a:p>
+        </p:txBody>
+      </p:sp>
+    </p:spTree>
+    <p:extLst>
+      <p:ext uri="{BB962C8B-B14F-4D97-AF65-F5344CB8AC3E}">
+        <p14:creationId xmlns:p14="http://schemas.microsoft.com/office/powerpoint/2010/main" val="3587944669"/>
+      </p:ext>
+    </p:extLst>
+  </p:cSld>
+  <p:clrMapOvr>
+    <a:masterClrMapping/>
+  </p:clrMapOvr>
+</p:notes>
+</file>
+
+<file path=ppt/notesSlides/notesSlide13.xml><?xml version="1.0" encoding="utf-8"?>
+<p:notes xmlns:a="http://schemas.openxmlformats.org/drawingml/2006/main" xmlns:r="http://schemas.openxmlformats.org/officeDocument/2006/relationships" xmlns:p="http://schemas.openxmlformats.org/presentationml/2006/main" showMasterSp="0" showMasterPhAnim="0">
+  <p:cSld>
+    <p:spTree>
+      <p:nvGrpSpPr>
+        <p:cNvPr id="1" name="Shape 187"/>
+        <p:cNvGrpSpPr/>
+        <p:nvPr/>
+      </p:nvGrpSpPr>
+      <p:grpSpPr>
+        <a:xfrm>
+          <a:off x="0" y="0"/>
+          <a:ext cx="0" cy="0"/>
+          <a:chOff x="0" y="0"/>
+          <a:chExt cx="0" cy="0"/>
+        </a:xfrm>
+      </p:grpSpPr>
+      <p:sp>
+        <p:nvSpPr>
+          <p:cNvPr id="188" name="Google Shape;188;g41abfbaf28_3_2:notes"/>
+          <p:cNvSpPr>
+            <a:spLocks noGrp="1" noRot="1" noChangeAspect="1"/>
+          </p:cNvSpPr>
+          <p:nvPr>
+            <p:ph type="sldImg" idx="2"/>
+          </p:nvPr>
+        </p:nvSpPr>
+        <p:spPr>
+          <a:xfrm>
+            <a:off x="381000" y="685800"/>
+            <a:ext cx="6096000" cy="3429000"/>
+          </a:xfrm>
+          <a:custGeom>
+            <a:avLst/>
+            <a:gdLst/>
+            <a:ahLst/>
+            <a:cxnLst/>
+            <a:rect l="l" t="t" r="r" b="b"/>
+            <a:pathLst>
+              <a:path w="120000" h="120000" extrusionOk="0">
+                <a:moveTo>
+                  <a:pt x="0" y="0"/>
+                </a:moveTo>
+                <a:lnTo>
+                  <a:pt x="120000" y="0"/>
+                </a:lnTo>
+                <a:lnTo>
+                  <a:pt x="120000" y="120000"/>
+                </a:lnTo>
+                <a:lnTo>
+                  <a:pt x="0" y="120000"/>
+                </a:lnTo>
+                <a:close/>
+              </a:path>
+            </a:pathLst>
+          </a:custGeom>
+        </p:spPr>
+      </p:sp>
+      <p:sp>
+        <p:nvSpPr>
+          <p:cNvPr id="189" name="Google Shape;189;g41abfbaf28_3_2:notes"/>
+          <p:cNvSpPr txBox="1">
+            <a:spLocks noGrp="1"/>
+          </p:cNvSpPr>
+          <p:nvPr>
+            <p:ph type="body" idx="1"/>
+          </p:nvPr>
+        </p:nvSpPr>
+        <p:spPr>
+          <a:xfrm>
+            <a:off x="685800" y="4343400"/>
+            <a:ext cx="5486400" cy="4114800"/>
+          </a:xfrm>
+          <a:prstGeom prst="rect">
+            <a:avLst/>
+          </a:prstGeom>
+        </p:spPr>
+        <p:txBody>
+          <a:bodyPr spcFirstLastPara="1" wrap="square" lIns="91425" tIns="91425" rIns="91425" bIns="91425" anchor="t" anchorCtr="0">
+            <a:noAutofit/>
+          </a:bodyPr>
+          <a:lstStyle/>
+          <a:p>
+            <a:pPr marL="0" lvl="0" indent="0" algn="l" rtl="0">
+              <a:spcBef>
+                <a:spcPts val="0"/>
+              </a:spcBef>
+              <a:spcAft>
+                <a:spcPts val="0"/>
+              </a:spcAft>
+              <a:buNone/>
+            </a:pPr>
+            <a:endParaRPr/>
+          </a:p>
+        </p:txBody>
+      </p:sp>
+    </p:spTree>
+    <p:extLst>
+      <p:ext uri="{BB962C8B-B14F-4D97-AF65-F5344CB8AC3E}">
+        <p14:creationId xmlns:p14="http://schemas.microsoft.com/office/powerpoint/2010/main" val="332263205"/>
+      </p:ext>
+    </p:extLst>
+  </p:cSld>
+  <p:clrMapOvr>
+    <a:masterClrMapping/>
+  </p:clrMapOvr>
+</p:notes>
+</file>
+
+<file path=ppt/notesSlides/notesSlide14.xml><?xml version="1.0" encoding="utf-8"?>
+<p:notes xmlns:a="http://schemas.openxmlformats.org/drawingml/2006/main" xmlns:r="http://schemas.openxmlformats.org/officeDocument/2006/relationships" xmlns:p="http://schemas.openxmlformats.org/presentationml/2006/main" showMasterSp="0" showMasterPhAnim="0">
+  <p:cSld>
+    <p:spTree>
+      <p:nvGrpSpPr>
         <p:cNvPr id="1" name="Shape 381"/>
         <p:cNvGrpSpPr/>
         <p:nvPr/>
@@ -938,7 +1383,7 @@
 </p:notes>
 </file>
 
-<file path=ppt/notesSlides/notesSlide11.xml><?xml version="1.0" encoding="utf-8"?>
+<file path=ppt/notesSlides/notesSlide15.xml><?xml version="1.0" encoding="utf-8"?>
 <p:notes xmlns:a="http://schemas.openxmlformats.org/drawingml/2006/main" xmlns:r="http://schemas.openxmlformats.org/officeDocument/2006/relationships" xmlns:p="http://schemas.openxmlformats.org/presentationml/2006/main" showMasterSp="0" showMasterPhAnim="0">
   <p:cSld>
     <p:spTree>
@@ -1458,7 +1903,7 @@
     </p:spTree>
     <p:extLst>
       <p:ext uri="{BB962C8B-B14F-4D97-AF65-F5344CB8AC3E}">
-        <p14:creationId xmlns:p14="http://schemas.microsoft.com/office/powerpoint/2010/main" val="3879994581"/>
+        <p14:creationId xmlns:p14="http://schemas.microsoft.com/office/powerpoint/2010/main" val="526847290"/>
       </p:ext>
     </p:extLst>
   </p:cSld>
@@ -1567,7 +2012,7 @@
     </p:spTree>
     <p:extLst>
       <p:ext uri="{BB962C8B-B14F-4D97-AF65-F5344CB8AC3E}">
-        <p14:creationId xmlns:p14="http://schemas.microsoft.com/office/powerpoint/2010/main" val="2651702265"/>
+        <p14:creationId xmlns:p14="http://schemas.microsoft.com/office/powerpoint/2010/main" val="3879994581"/>
       </p:ext>
     </p:extLst>
   </p:cSld>
@@ -1676,7 +2121,7 @@
     </p:spTree>
     <p:extLst>
       <p:ext uri="{BB962C8B-B14F-4D97-AF65-F5344CB8AC3E}">
-        <p14:creationId xmlns:p14="http://schemas.microsoft.com/office/powerpoint/2010/main" val="3172104394"/>
+        <p14:creationId xmlns:p14="http://schemas.microsoft.com/office/powerpoint/2010/main" val="2651702265"/>
       </p:ext>
     </p:extLst>
   </p:cSld>
@@ -1785,7 +2230,7 @@
     </p:spTree>
     <p:extLst>
       <p:ext uri="{BB962C8B-B14F-4D97-AF65-F5344CB8AC3E}">
-        <p14:creationId xmlns:p14="http://schemas.microsoft.com/office/powerpoint/2010/main" val="3712428986"/>
+        <p14:creationId xmlns:p14="http://schemas.microsoft.com/office/powerpoint/2010/main" val="3172104394"/>
       </p:ext>
     </p:extLst>
   </p:cSld>
@@ -1894,7 +2339,7 @@
     </p:spTree>
     <p:extLst>
       <p:ext uri="{BB962C8B-B14F-4D97-AF65-F5344CB8AC3E}">
-        <p14:creationId xmlns:p14="http://schemas.microsoft.com/office/powerpoint/2010/main" val="332263205"/>
+        <p14:creationId xmlns:p14="http://schemas.microsoft.com/office/powerpoint/2010/main" val="3384330963"/>
       </p:ext>
     </p:extLst>
   </p:cSld>
@@ -7338,6 +7783,610 @@
   <p:cSld>
     <p:spTree>
       <p:nvGrpSpPr>
+        <p:cNvPr id="1" name="Shape 190"/>
+        <p:cNvGrpSpPr/>
+        <p:nvPr/>
+      </p:nvGrpSpPr>
+      <p:grpSpPr>
+        <a:xfrm>
+          <a:off x="0" y="0"/>
+          <a:ext cx="0" cy="0"/>
+          <a:chOff x="0" y="0"/>
+          <a:chExt cx="0" cy="0"/>
+        </a:xfrm>
+      </p:grpSpPr>
+      <p:sp>
+        <p:nvSpPr>
+          <p:cNvPr id="197" name="Google Shape;197;p33"/>
+          <p:cNvSpPr txBox="1">
+            <a:spLocks noGrp="1"/>
+          </p:cNvSpPr>
+          <p:nvPr>
+            <p:ph type="ctrTitle"/>
+          </p:nvPr>
+        </p:nvSpPr>
+        <p:spPr>
+          <a:xfrm>
+            <a:off x="770399" y="347665"/>
+            <a:ext cx="7603200" cy="637750"/>
+          </a:xfrm>
+          <a:prstGeom prst="rect">
+            <a:avLst/>
+          </a:prstGeom>
+        </p:spPr>
+        <p:txBody>
+          <a:bodyPr spcFirstLastPara="1" wrap="square" lIns="91425" tIns="91425" rIns="91425" bIns="91425" anchor="t" anchorCtr="0">
+            <a:noAutofit/>
+          </a:bodyPr>
+          <a:lstStyle/>
+          <a:p>
+            <a:pPr marL="0" lvl="0" indent="0" algn="ctr" rtl="0">
+              <a:spcBef>
+                <a:spcPts val="0"/>
+              </a:spcBef>
+              <a:spcAft>
+                <a:spcPts val="0"/>
+              </a:spcAft>
+              <a:buNone/>
+            </a:pPr>
+            <a:r>
+              <a:rPr lang="en" dirty="0"/>
+              <a:t>FORCED-RHYMES, RESULTS</a:t>
+            </a:r>
+            <a:endParaRPr dirty="0"/>
+          </a:p>
+        </p:txBody>
+      </p:sp>
+      <p:pic>
+        <p:nvPicPr>
+          <p:cNvPr id="3" name="Google Shape;227;p35">
+            <a:extLst>
+              <a:ext uri="{FF2B5EF4-FFF2-40B4-BE49-F238E27FC236}">
+                <a16:creationId xmlns:a16="http://schemas.microsoft.com/office/drawing/2014/main" id="{5DF7A4B3-92D1-446E-96E6-FAC2A59F31ED}"/>
+              </a:ext>
+            </a:extLst>
+          </p:cNvPr>
+          <p:cNvPicPr preferRelativeResize="0"/>
+          <p:nvPr/>
+        </p:nvPicPr>
+        <p:blipFill rotWithShape="1">
+          <a:blip r:embed="rId3"/>
+          <a:srcRect t="806" b="10497"/>
+          <a:stretch/>
+        </p:blipFill>
+        <p:spPr>
+          <a:xfrm>
+            <a:off x="1400823" y="985415"/>
+            <a:ext cx="6342353" cy="3972560"/>
+          </a:xfrm>
+          <a:prstGeom prst="snip2DiagRect">
+            <a:avLst>
+              <a:gd name="adj1" fmla="val 0"/>
+              <a:gd name="adj2" fmla="val 6007"/>
+            </a:avLst>
+          </a:prstGeom>
+          <a:noFill/>
+          <a:ln w="19050">
+            <a:solidFill>
+              <a:schemeClr val="bg2"/>
+            </a:solidFill>
+          </a:ln>
+        </p:spPr>
+      </p:pic>
+    </p:spTree>
+    <p:extLst>
+      <p:ext uri="{BB962C8B-B14F-4D97-AF65-F5344CB8AC3E}">
+        <p14:creationId xmlns:p14="http://schemas.microsoft.com/office/powerpoint/2010/main" val="1814170412"/>
+      </p:ext>
+    </p:extLst>
+  </p:cSld>
+  <p:clrMapOvr>
+    <a:masterClrMapping/>
+  </p:clrMapOvr>
+</p:sld>
+</file>
+
+<file path=ppt/slides/slide11.xml><?xml version="1.0" encoding="utf-8"?>
+<p:sld xmlns:a="http://schemas.openxmlformats.org/drawingml/2006/main" xmlns:r="http://schemas.openxmlformats.org/officeDocument/2006/relationships" xmlns:p="http://schemas.openxmlformats.org/presentationml/2006/main">
+  <p:cSld>
+    <p:spTree>
+      <p:nvGrpSpPr>
+        <p:cNvPr id="1" name="Shape 190"/>
+        <p:cNvGrpSpPr/>
+        <p:nvPr/>
+      </p:nvGrpSpPr>
+      <p:grpSpPr>
+        <a:xfrm>
+          <a:off x="0" y="0"/>
+          <a:ext cx="0" cy="0"/>
+          <a:chOff x="0" y="0"/>
+          <a:chExt cx="0" cy="0"/>
+        </a:xfrm>
+      </p:grpSpPr>
+      <p:sp>
+        <p:nvSpPr>
+          <p:cNvPr id="197" name="Google Shape;197;p33"/>
+          <p:cNvSpPr txBox="1">
+            <a:spLocks noGrp="1"/>
+          </p:cNvSpPr>
+          <p:nvPr>
+            <p:ph type="ctrTitle"/>
+          </p:nvPr>
+        </p:nvSpPr>
+        <p:spPr>
+          <a:xfrm>
+            <a:off x="1964851" y="352850"/>
+            <a:ext cx="5214300" cy="637750"/>
+          </a:xfrm>
+          <a:prstGeom prst="rect">
+            <a:avLst/>
+          </a:prstGeom>
+        </p:spPr>
+        <p:txBody>
+          <a:bodyPr spcFirstLastPara="1" wrap="square" lIns="91425" tIns="91425" rIns="91425" bIns="91425" anchor="t" anchorCtr="0">
+            <a:noAutofit/>
+          </a:bodyPr>
+          <a:lstStyle/>
+          <a:p>
+            <a:pPr marL="0" lvl="0" indent="0" algn="ctr" rtl="0">
+              <a:spcBef>
+                <a:spcPts val="0"/>
+              </a:spcBef>
+              <a:spcAft>
+                <a:spcPts val="0"/>
+              </a:spcAft>
+              <a:buNone/>
+            </a:pPr>
+            <a:r>
+              <a:rPr lang="en" dirty="0"/>
+              <a:t>TRANSFORMER</a:t>
+            </a:r>
+            <a:endParaRPr dirty="0"/>
+          </a:p>
+        </p:txBody>
+      </p:sp>
+      <p:pic>
+        <p:nvPicPr>
+          <p:cNvPr id="3" name="Google Shape;227;p35">
+            <a:extLst>
+              <a:ext uri="{FF2B5EF4-FFF2-40B4-BE49-F238E27FC236}">
+                <a16:creationId xmlns:a16="http://schemas.microsoft.com/office/drawing/2014/main" id="{85E287E3-12F6-4E52-A8FE-46265D0742F0}"/>
+              </a:ext>
+            </a:extLst>
+          </p:cNvPr>
+          <p:cNvPicPr preferRelativeResize="0"/>
+          <p:nvPr/>
+        </p:nvPicPr>
+        <p:blipFill rotWithShape="1">
+          <a:blip r:embed="rId3"/>
+          <a:srcRect l="5999" r="-138"/>
+          <a:stretch/>
+        </p:blipFill>
+        <p:spPr>
+          <a:xfrm>
+            <a:off x="1997612" y="990600"/>
+            <a:ext cx="5148776" cy="3906730"/>
+          </a:xfrm>
+          <a:prstGeom prst="snip2DiagRect">
+            <a:avLst>
+              <a:gd name="adj1" fmla="val 17613"/>
+              <a:gd name="adj2" fmla="val 0"/>
+            </a:avLst>
+          </a:prstGeom>
+          <a:noFill/>
+          <a:ln w="19050">
+            <a:solidFill>
+              <a:schemeClr val="bg2"/>
+            </a:solidFill>
+          </a:ln>
+        </p:spPr>
+      </p:pic>
+    </p:spTree>
+    <p:extLst>
+      <p:ext uri="{BB962C8B-B14F-4D97-AF65-F5344CB8AC3E}">
+        <p14:creationId xmlns:p14="http://schemas.microsoft.com/office/powerpoint/2010/main" val="3510600308"/>
+      </p:ext>
+    </p:extLst>
+  </p:cSld>
+  <p:clrMapOvr>
+    <a:masterClrMapping/>
+  </p:clrMapOvr>
+</p:sld>
+</file>
+
+<file path=ppt/slides/slide12.xml><?xml version="1.0" encoding="utf-8"?>
+<p:sld xmlns:a="http://schemas.openxmlformats.org/drawingml/2006/main" xmlns:r="http://schemas.openxmlformats.org/officeDocument/2006/relationships" xmlns:p="http://schemas.openxmlformats.org/presentationml/2006/main">
+  <p:cSld>
+    <p:spTree>
+      <p:nvGrpSpPr>
+        <p:cNvPr id="1" name="Shape 190"/>
+        <p:cNvGrpSpPr/>
+        <p:nvPr/>
+      </p:nvGrpSpPr>
+      <p:grpSpPr>
+        <a:xfrm>
+          <a:off x="0" y="0"/>
+          <a:ext cx="0" cy="0"/>
+          <a:chOff x="0" y="0"/>
+          <a:chExt cx="0" cy="0"/>
+        </a:xfrm>
+      </p:grpSpPr>
+      <p:sp>
+        <p:nvSpPr>
+          <p:cNvPr id="4" name="Rectangle: Diagonal Corners Snipped 3">
+            <a:extLst>
+              <a:ext uri="{FF2B5EF4-FFF2-40B4-BE49-F238E27FC236}">
+                <a16:creationId xmlns:a16="http://schemas.microsoft.com/office/drawing/2014/main" id="{D4EF49CD-D851-4818-824F-5D5645B17D65}"/>
+              </a:ext>
+            </a:extLst>
+          </p:cNvPr>
+          <p:cNvSpPr/>
+          <p:nvPr/>
+        </p:nvSpPr>
+        <p:spPr>
+          <a:xfrm>
+            <a:off x="1336431" y="992373"/>
+            <a:ext cx="6288259" cy="3798277"/>
+          </a:xfrm>
+          <a:prstGeom prst="snip2DiagRect">
+            <a:avLst/>
+          </a:prstGeom>
+        </p:spPr>
+        <p:style>
+          <a:lnRef idx="2">
+            <a:schemeClr val="accent1">
+              <a:shade val="50000"/>
+            </a:schemeClr>
+          </a:lnRef>
+          <a:fillRef idx="1">
+            <a:schemeClr val="accent1"/>
+          </a:fillRef>
+          <a:effectRef idx="0">
+            <a:schemeClr val="accent1"/>
+          </a:effectRef>
+          <a:fontRef idx="minor">
+            <a:schemeClr val="lt1"/>
+          </a:fontRef>
+        </p:style>
+        <p:txBody>
+          <a:bodyPr rtlCol="0" anchor="ctr"/>
+          <a:lstStyle/>
+          <a:p>
+            <a:pPr algn="ctr"/>
+            <a:endParaRPr lang="en-GB"/>
+          </a:p>
+        </p:txBody>
+      </p:sp>
+      <p:sp>
+        <p:nvSpPr>
+          <p:cNvPr id="197" name="Google Shape;197;p33"/>
+          <p:cNvSpPr txBox="1">
+            <a:spLocks noGrp="1"/>
+          </p:cNvSpPr>
+          <p:nvPr>
+            <p:ph type="ctrTitle"/>
+          </p:nvPr>
+        </p:nvSpPr>
+        <p:spPr>
+          <a:xfrm>
+            <a:off x="1964851" y="352850"/>
+            <a:ext cx="5214300" cy="637750"/>
+          </a:xfrm>
+          <a:prstGeom prst="rect">
+            <a:avLst/>
+          </a:prstGeom>
+        </p:spPr>
+        <p:txBody>
+          <a:bodyPr spcFirstLastPara="1" wrap="square" lIns="91425" tIns="91425" rIns="91425" bIns="91425" anchor="t" anchorCtr="0">
+            <a:noAutofit/>
+          </a:bodyPr>
+          <a:lstStyle/>
+          <a:p>
+            <a:pPr marL="0" lvl="0" indent="0" algn="ctr" rtl="0">
+              <a:spcBef>
+                <a:spcPts val="0"/>
+              </a:spcBef>
+              <a:spcAft>
+                <a:spcPts val="0"/>
+              </a:spcAft>
+              <a:buNone/>
+            </a:pPr>
+            <a:r>
+              <a:rPr lang="en" dirty="0"/>
+              <a:t>TRANSFORMER (hyperparameters)</a:t>
+            </a:r>
+            <a:endParaRPr dirty="0"/>
+          </a:p>
+        </p:txBody>
+      </p:sp>
+      <p:sp>
+        <p:nvSpPr>
+          <p:cNvPr id="2" name="TextBox 1">
+            <a:extLst>
+              <a:ext uri="{FF2B5EF4-FFF2-40B4-BE49-F238E27FC236}">
+                <a16:creationId xmlns:a16="http://schemas.microsoft.com/office/drawing/2014/main" id="{91316712-BF62-48BC-B78A-1E84CBB5442A}"/>
+              </a:ext>
+            </a:extLst>
+          </p:cNvPr>
+          <p:cNvSpPr txBox="1"/>
+          <p:nvPr/>
+        </p:nvSpPr>
+        <p:spPr>
+          <a:xfrm>
+            <a:off x="2166425" y="1229519"/>
+            <a:ext cx="5570806" cy="3323987"/>
+          </a:xfrm>
+          <a:prstGeom prst="rect">
+            <a:avLst/>
+          </a:prstGeom>
+          <a:noFill/>
+        </p:spPr>
+        <p:txBody>
+          <a:bodyPr wrap="square" rtlCol="0">
+            <a:spAutoFit/>
+          </a:bodyPr>
+          <a:lstStyle/>
+          <a:p>
+            <a:pPr marL="285750" indent="-285750">
+              <a:buFont typeface="Arial" panose="020B0604020202020204" pitchFamily="34" charset="0"/>
+              <a:buChar char="•"/>
+            </a:pPr>
+            <a:r>
+              <a:rPr lang="en-GB" dirty="0"/>
+              <a:t>Layers for Encoder / Decoder: 4</a:t>
+            </a:r>
+          </a:p>
+          <a:p>
+            <a:pPr marL="285750" indent="-285750">
+              <a:buFont typeface="Arial" panose="020B0604020202020204" pitchFamily="34" charset="0"/>
+              <a:buChar char="•"/>
+            </a:pPr>
+            <a:endParaRPr lang="en-GB" dirty="0"/>
+          </a:p>
+          <a:p>
+            <a:pPr marL="285750" indent="-285750">
+              <a:buFont typeface="Arial" panose="020B0604020202020204" pitchFamily="34" charset="0"/>
+              <a:buChar char="•"/>
+            </a:pPr>
+            <a:r>
+              <a:rPr lang="en-GB" dirty="0"/>
+              <a:t>Heads for the Multi-Head Attention: 4</a:t>
+            </a:r>
+          </a:p>
+          <a:p>
+            <a:pPr marL="285750" indent="-285750">
+              <a:buFont typeface="Arial" panose="020B0604020202020204" pitchFamily="34" charset="0"/>
+              <a:buChar char="•"/>
+            </a:pPr>
+            <a:endParaRPr lang="en-GB" dirty="0"/>
+          </a:p>
+          <a:p>
+            <a:pPr marL="285750" indent="-285750">
+              <a:buFont typeface="Arial" panose="020B0604020202020204" pitchFamily="34" charset="0"/>
+              <a:buChar char="•"/>
+            </a:pPr>
+            <a:r>
+              <a:rPr lang="en-GB" dirty="0"/>
+              <a:t>Sub-layers dimension:  256</a:t>
+            </a:r>
+          </a:p>
+          <a:p>
+            <a:pPr marL="285750" indent="-285750">
+              <a:buFont typeface="Arial" panose="020B0604020202020204" pitchFamily="34" charset="0"/>
+              <a:buChar char="•"/>
+            </a:pPr>
+            <a:endParaRPr lang="en-GB" dirty="0"/>
+          </a:p>
+          <a:p>
+            <a:pPr marL="285750" indent="-285750">
+              <a:buFont typeface="Arial" panose="020B0604020202020204" pitchFamily="34" charset="0"/>
+              <a:buChar char="•"/>
+            </a:pPr>
+            <a:r>
+              <a:rPr lang="en-GB" dirty="0"/>
+              <a:t>Feed-Forward layers dimension: 512</a:t>
+            </a:r>
+          </a:p>
+          <a:p>
+            <a:pPr marL="285750" indent="-285750">
+              <a:buFont typeface="Arial" panose="020B0604020202020204" pitchFamily="34" charset="0"/>
+              <a:buChar char="•"/>
+            </a:pPr>
+            <a:endParaRPr lang="en-GB" dirty="0"/>
+          </a:p>
+          <a:p>
+            <a:pPr marL="285750" indent="-285750">
+              <a:buFont typeface="Arial" panose="020B0604020202020204" pitchFamily="34" charset="0"/>
+              <a:buChar char="•"/>
+            </a:pPr>
+            <a:r>
+              <a:rPr lang="en-GB" dirty="0"/>
+              <a:t>Dropout rate: 0.2</a:t>
+            </a:r>
+          </a:p>
+          <a:p>
+            <a:pPr marL="285750" indent="-285750">
+              <a:buFont typeface="Arial" panose="020B0604020202020204" pitchFamily="34" charset="0"/>
+              <a:buChar char="•"/>
+            </a:pPr>
+            <a:endParaRPr lang="en-GB" dirty="0"/>
+          </a:p>
+          <a:p>
+            <a:pPr marL="285750" indent="-285750">
+              <a:buFont typeface="Arial" panose="020B0604020202020204" pitchFamily="34" charset="0"/>
+              <a:buChar char="•"/>
+            </a:pPr>
+            <a:r>
+              <a:rPr lang="en-GB" dirty="0" err="1"/>
+              <a:t>Seq_length</a:t>
+            </a:r>
+            <a:r>
+              <a:rPr lang="en-GB" dirty="0"/>
+              <a:t>: 3</a:t>
+            </a:r>
+          </a:p>
+          <a:p>
+            <a:pPr marL="285750" indent="-285750">
+              <a:buFont typeface="Arial" panose="020B0604020202020204" pitchFamily="34" charset="0"/>
+              <a:buChar char="•"/>
+            </a:pPr>
+            <a:endParaRPr lang="en-GB" dirty="0"/>
+          </a:p>
+          <a:p>
+            <a:pPr marL="285750" indent="-285750">
+              <a:buFont typeface="Arial" panose="020B0604020202020204" pitchFamily="34" charset="0"/>
+              <a:buChar char="•"/>
+            </a:pPr>
+            <a:r>
+              <a:rPr lang="en-GB" dirty="0"/>
+              <a:t>Batch: 64</a:t>
+            </a:r>
+          </a:p>
+          <a:p>
+            <a:pPr marL="285750" indent="-285750">
+              <a:buFont typeface="Arial" panose="020B0604020202020204" pitchFamily="34" charset="0"/>
+              <a:buChar char="•"/>
+            </a:pPr>
+            <a:endParaRPr lang="en-GB" dirty="0"/>
+          </a:p>
+          <a:p>
+            <a:pPr marL="285750" indent="-285750">
+              <a:buFont typeface="Arial" panose="020B0604020202020204" pitchFamily="34" charset="0"/>
+              <a:buChar char="•"/>
+            </a:pPr>
+            <a:r>
+              <a:rPr lang="en-GB" dirty="0"/>
+              <a:t>Epochs: 120</a:t>
+            </a:r>
+          </a:p>
+        </p:txBody>
+      </p:sp>
+    </p:spTree>
+    <p:extLst>
+      <p:ext uri="{BB962C8B-B14F-4D97-AF65-F5344CB8AC3E}">
+        <p14:creationId xmlns:p14="http://schemas.microsoft.com/office/powerpoint/2010/main" val="3233385697"/>
+      </p:ext>
+    </p:extLst>
+  </p:cSld>
+  <p:clrMapOvr>
+    <a:masterClrMapping/>
+  </p:clrMapOvr>
+</p:sld>
+</file>
+
+<file path=ppt/slides/slide13.xml><?xml version="1.0" encoding="utf-8"?>
+<p:sld xmlns:a="http://schemas.openxmlformats.org/drawingml/2006/main" xmlns:r="http://schemas.openxmlformats.org/officeDocument/2006/relationships" xmlns:p="http://schemas.openxmlformats.org/presentationml/2006/main">
+  <p:cSld>
+    <p:spTree>
+      <p:nvGrpSpPr>
+        <p:cNvPr id="1" name="Shape 190"/>
+        <p:cNvGrpSpPr/>
+        <p:nvPr/>
+      </p:nvGrpSpPr>
+      <p:grpSpPr>
+        <a:xfrm>
+          <a:off x="0" y="0"/>
+          <a:ext cx="0" cy="0"/>
+          <a:chOff x="0" y="0"/>
+          <a:chExt cx="0" cy="0"/>
+        </a:xfrm>
+      </p:grpSpPr>
+      <p:sp>
+        <p:nvSpPr>
+          <p:cNvPr id="197" name="Google Shape;197;p33"/>
+          <p:cNvSpPr txBox="1">
+            <a:spLocks noGrp="1"/>
+          </p:cNvSpPr>
+          <p:nvPr>
+            <p:ph type="ctrTitle"/>
+          </p:nvPr>
+        </p:nvSpPr>
+        <p:spPr>
+          <a:xfrm>
+            <a:off x="1964851" y="352850"/>
+            <a:ext cx="5214300" cy="637750"/>
+          </a:xfrm>
+          <a:prstGeom prst="rect">
+            <a:avLst/>
+          </a:prstGeom>
+        </p:spPr>
+        <p:txBody>
+          <a:bodyPr spcFirstLastPara="1" wrap="square" lIns="91425" tIns="91425" rIns="91425" bIns="91425" anchor="t" anchorCtr="0">
+            <a:noAutofit/>
+          </a:bodyPr>
+          <a:lstStyle/>
+          <a:p>
+            <a:pPr marL="0" lvl="0" indent="0" algn="ctr" rtl="0">
+              <a:spcBef>
+                <a:spcPts val="0"/>
+              </a:spcBef>
+              <a:spcAft>
+                <a:spcPts val="0"/>
+              </a:spcAft>
+              <a:buNone/>
+            </a:pPr>
+            <a:r>
+              <a:rPr lang="en" dirty="0"/>
+              <a:t>RESULTS: TRANSFORMER</a:t>
+            </a:r>
+            <a:endParaRPr dirty="0"/>
+          </a:p>
+        </p:txBody>
+      </p:sp>
+      <p:pic>
+        <p:nvPicPr>
+          <p:cNvPr id="3" name="Google Shape;227;p35">
+            <a:extLst>
+              <a:ext uri="{FF2B5EF4-FFF2-40B4-BE49-F238E27FC236}">
+                <a16:creationId xmlns:a16="http://schemas.microsoft.com/office/drawing/2014/main" id="{BE88EC17-7F03-4C1B-A7EB-078F9F2AE5D8}"/>
+              </a:ext>
+            </a:extLst>
+          </p:cNvPr>
+          <p:cNvPicPr preferRelativeResize="0"/>
+          <p:nvPr/>
+        </p:nvPicPr>
+        <p:blipFill rotWithShape="1">
+          <a:blip r:embed="rId3"/>
+          <a:srcRect t="-853" b="268"/>
+          <a:stretch/>
+        </p:blipFill>
+        <p:spPr>
+          <a:xfrm>
+            <a:off x="906950" y="990600"/>
+            <a:ext cx="7330099" cy="4030980"/>
+          </a:xfrm>
+          <a:prstGeom prst="snip2DiagRect">
+            <a:avLst>
+              <a:gd name="adj1" fmla="val 5216"/>
+              <a:gd name="adj2" fmla="val 0"/>
+            </a:avLst>
+          </a:prstGeom>
+          <a:noFill/>
+          <a:ln w="19050">
+            <a:solidFill>
+              <a:schemeClr val="bg2"/>
+            </a:solidFill>
+          </a:ln>
+        </p:spPr>
+      </p:pic>
+    </p:spTree>
+    <p:extLst>
+      <p:ext uri="{BB962C8B-B14F-4D97-AF65-F5344CB8AC3E}">
+        <p14:creationId xmlns:p14="http://schemas.microsoft.com/office/powerpoint/2010/main" val="1056837818"/>
+      </p:ext>
+    </p:extLst>
+  </p:cSld>
+  <p:clrMapOvr>
+    <a:masterClrMapping/>
+  </p:clrMapOvr>
+</p:sld>
+</file>
+
+<file path=ppt/slides/slide14.xml><?xml version="1.0" encoding="utf-8"?>
+<p:sld xmlns:a="http://schemas.openxmlformats.org/drawingml/2006/main" xmlns:r="http://schemas.openxmlformats.org/officeDocument/2006/relationships" xmlns:p="http://schemas.openxmlformats.org/presentationml/2006/main">
+  <p:cSld>
+    <p:spTree>
+      <p:nvGrpSpPr>
         <p:cNvPr id="1" name="Shape 384"/>
         <p:cNvGrpSpPr/>
         <p:nvPr/>
@@ -11842,7 +12891,7 @@
 </p:sld>
 </file>
 
-<file path=ppt/slides/slide11.xml><?xml version="1.0" encoding="utf-8"?>
+<file path=ppt/slides/slide15.xml><?xml version="1.0" encoding="utf-8"?>
 <p:sld xmlns:a="http://schemas.openxmlformats.org/drawingml/2006/main" xmlns:r="http://schemas.openxmlformats.org/officeDocument/2006/relationships" xmlns:p="http://schemas.openxmlformats.org/presentationml/2006/main">
   <p:cSld>
     <p:spTree>
@@ -12852,6 +13901,234 @@
             </a:pPr>
             <a:r>
               <a:rPr lang="en" dirty="0"/>
+              <a:t>TRANSFORMER</a:t>
+            </a:r>
+            <a:endParaRPr dirty="0"/>
+          </a:p>
+        </p:txBody>
+      </p:sp>
+      <p:sp>
+        <p:nvSpPr>
+          <p:cNvPr id="2" name="TextBox 1">
+            <a:extLst>
+              <a:ext uri="{FF2B5EF4-FFF2-40B4-BE49-F238E27FC236}">
+                <a16:creationId xmlns:a16="http://schemas.microsoft.com/office/drawing/2014/main" id="{B68ED899-4262-4CFF-B043-E7AB62E1658E}"/>
+              </a:ext>
+            </a:extLst>
+          </p:cNvPr>
+          <p:cNvSpPr txBox="1"/>
+          <p:nvPr/>
+        </p:nvSpPr>
+        <p:spPr>
+          <a:xfrm>
+            <a:off x="590843" y="990600"/>
+            <a:ext cx="8131126" cy="954107"/>
+          </a:xfrm>
+          <a:prstGeom prst="rect">
+            <a:avLst/>
+          </a:prstGeom>
+          <a:noFill/>
+        </p:spPr>
+        <p:txBody>
+          <a:bodyPr wrap="square" rtlCol="0">
+            <a:spAutoFit/>
+          </a:bodyPr>
+          <a:lstStyle/>
+          <a:p>
+            <a:pPr algn="ctr"/>
+            <a:r>
+              <a:rPr lang="it-IT" dirty="0"/>
+              <a:t>For the Transformer the phase of preprocessing is a little different. The previous steps are only needed to create the token vocabulary.</a:t>
+            </a:r>
+          </a:p>
+          <a:p>
+            <a:pPr algn="ctr"/>
+            <a:endParaRPr lang="it-IT" dirty="0"/>
+          </a:p>
+          <a:p>
+            <a:pPr algn="ctr"/>
+            <a:r>
+              <a:rPr lang="it-IT" dirty="0"/>
+              <a:t>In fact, the transformer input consist in N verses, which will be tokenized during the training step.</a:t>
+            </a:r>
+            <a:endParaRPr lang="en-GB" dirty="0"/>
+          </a:p>
+        </p:txBody>
+      </p:sp>
+      <p:sp>
+        <p:nvSpPr>
+          <p:cNvPr id="3" name="Rectangle: Diagonal Corners Snipped 2">
+            <a:extLst>
+              <a:ext uri="{FF2B5EF4-FFF2-40B4-BE49-F238E27FC236}">
+                <a16:creationId xmlns:a16="http://schemas.microsoft.com/office/drawing/2014/main" id="{D7650625-FDE5-424E-9D9B-FE334A6D0C23}"/>
+              </a:ext>
+            </a:extLst>
+          </p:cNvPr>
+          <p:cNvSpPr/>
+          <p:nvPr/>
+        </p:nvSpPr>
+        <p:spPr>
+          <a:xfrm>
+            <a:off x="590843" y="2188461"/>
+            <a:ext cx="8074855" cy="2751058"/>
+          </a:xfrm>
+          <a:prstGeom prst="snip2DiagRect">
+            <a:avLst/>
+          </a:prstGeom>
+          <a:solidFill>
+            <a:schemeClr val="bg1"/>
+          </a:solidFill>
+        </p:spPr>
+        <p:style>
+          <a:lnRef idx="2">
+            <a:schemeClr val="accent1">
+              <a:shade val="50000"/>
+            </a:schemeClr>
+          </a:lnRef>
+          <a:fillRef idx="1">
+            <a:schemeClr val="accent1"/>
+          </a:fillRef>
+          <a:effectRef idx="0">
+            <a:schemeClr val="accent1"/>
+          </a:effectRef>
+          <a:fontRef idx="minor">
+            <a:schemeClr val="lt1"/>
+          </a:fontRef>
+        </p:style>
+        <p:txBody>
+          <a:bodyPr rtlCol="0" anchor="ctr"/>
+          <a:lstStyle/>
+          <a:p>
+            <a:pPr algn="ctr"/>
+            <a:endParaRPr lang="en-GB" dirty="0"/>
+          </a:p>
+        </p:txBody>
+      </p:sp>
+      <p:pic>
+        <p:nvPicPr>
+          <p:cNvPr id="8" name="Picture 7" descr="Text&#10;&#10;Description automatically generated">
+            <a:extLst>
+              <a:ext uri="{FF2B5EF4-FFF2-40B4-BE49-F238E27FC236}">
+                <a16:creationId xmlns:a16="http://schemas.microsoft.com/office/drawing/2014/main" id="{63C9F483-032C-493F-A425-A63D1EB24012}"/>
+              </a:ext>
+            </a:extLst>
+          </p:cNvPr>
+          <p:cNvPicPr>
+            <a:picLocks noChangeAspect="1"/>
+          </p:cNvPicPr>
+          <p:nvPr/>
+        </p:nvPicPr>
+        <p:blipFill>
+          <a:blip r:embed="rId3"/>
+          <a:stretch>
+            <a:fillRect/>
+          </a:stretch>
+        </p:blipFill>
+        <p:spPr>
+          <a:xfrm>
+            <a:off x="1151821" y="2553744"/>
+            <a:ext cx="3276884" cy="2118544"/>
+          </a:xfrm>
+          <a:prstGeom prst="rect">
+            <a:avLst/>
+          </a:prstGeom>
+        </p:spPr>
+      </p:pic>
+      <p:pic>
+        <p:nvPicPr>
+          <p:cNvPr id="10" name="Picture 9" descr="Text&#10;&#10;Description automatically generated">
+            <a:extLst>
+              <a:ext uri="{FF2B5EF4-FFF2-40B4-BE49-F238E27FC236}">
+                <a16:creationId xmlns:a16="http://schemas.microsoft.com/office/drawing/2014/main" id="{B0C569B1-B7DB-471D-A4D7-C1546A0B266A}"/>
+              </a:ext>
+            </a:extLst>
+          </p:cNvPr>
+          <p:cNvPicPr>
+            <a:picLocks noChangeAspect="1"/>
+          </p:cNvPicPr>
+          <p:nvPr/>
+        </p:nvPicPr>
+        <p:blipFill rotWithShape="1">
+          <a:blip r:embed="rId4"/>
+          <a:srcRect l="2636" t="7888" r="1313" b="4324"/>
+          <a:stretch/>
+        </p:blipFill>
+        <p:spPr>
+          <a:xfrm>
+            <a:off x="4746537" y="2405488"/>
+            <a:ext cx="3601329" cy="2415056"/>
+          </a:xfrm>
+          <a:prstGeom prst="rect">
+            <a:avLst/>
+          </a:prstGeom>
+        </p:spPr>
+      </p:pic>
+    </p:spTree>
+    <p:extLst>
+      <p:ext uri="{BB962C8B-B14F-4D97-AF65-F5344CB8AC3E}">
+        <p14:creationId xmlns:p14="http://schemas.microsoft.com/office/powerpoint/2010/main" val="4202787870"/>
+      </p:ext>
+    </p:extLst>
+  </p:cSld>
+  <p:clrMapOvr>
+    <a:masterClrMapping/>
+  </p:clrMapOvr>
+</p:sld>
+</file>
+
+<file path=ppt/slides/slide6.xml><?xml version="1.0" encoding="utf-8"?>
+<p:sld xmlns:a="http://schemas.openxmlformats.org/drawingml/2006/main" xmlns:r="http://schemas.openxmlformats.org/officeDocument/2006/relationships" xmlns:p="http://schemas.openxmlformats.org/presentationml/2006/main">
+  <p:cSld>
+    <p:spTree>
+      <p:nvGrpSpPr>
+        <p:cNvPr id="1" name="Shape 190"/>
+        <p:cNvGrpSpPr/>
+        <p:nvPr/>
+      </p:nvGrpSpPr>
+      <p:grpSpPr>
+        <a:xfrm>
+          <a:off x="0" y="0"/>
+          <a:ext cx="0" cy="0"/>
+          <a:chOff x="0" y="0"/>
+          <a:chExt cx="0" cy="0"/>
+        </a:xfrm>
+      </p:grpSpPr>
+      <p:sp>
+        <p:nvSpPr>
+          <p:cNvPr id="197" name="Google Shape;197;p33"/>
+          <p:cNvSpPr txBox="1">
+            <a:spLocks noGrp="1"/>
+          </p:cNvSpPr>
+          <p:nvPr>
+            <p:ph type="ctrTitle"/>
+          </p:nvPr>
+        </p:nvSpPr>
+        <p:spPr>
+          <a:xfrm>
+            <a:off x="1964851" y="352850"/>
+            <a:ext cx="5214300" cy="637750"/>
+          </a:xfrm>
+          <a:prstGeom prst="rect">
+            <a:avLst/>
+          </a:prstGeom>
+        </p:spPr>
+        <p:txBody>
+          <a:bodyPr spcFirstLastPara="1" wrap="square" lIns="91425" tIns="91425" rIns="91425" bIns="91425" anchor="t" anchorCtr="0">
+            <a:noAutofit/>
+          </a:bodyPr>
+          <a:lstStyle/>
+          <a:p>
+            <a:pPr marL="0" lvl="0" indent="0" algn="ctr" rtl="0">
+              <a:spcBef>
+                <a:spcPts val="0"/>
+              </a:spcBef>
+              <a:spcAft>
+                <a:spcPts val="0"/>
+              </a:spcAft>
+              <a:buNone/>
+            </a:pPr>
+            <a:r>
+              <a:rPr lang="en" dirty="0"/>
               <a:t>RNN</a:t>
             </a:r>
             <a:endParaRPr dirty="0"/>
@@ -12907,7 +14184,7 @@
 </p:sld>
 </file>
 
-<file path=ppt/slides/slide6.xml><?xml version="1.0" encoding="utf-8"?>
+<file path=ppt/slides/slide7.xml><?xml version="1.0" encoding="utf-8"?>
 <p:sld xmlns:a="http://schemas.openxmlformats.org/drawingml/2006/main" xmlns:r="http://schemas.openxmlformats.org/officeDocument/2006/relationships" xmlns:p="http://schemas.openxmlformats.org/presentationml/2006/main">
   <p:cSld>
     <p:spTree>
@@ -13015,7 +14292,7 @@
 </p:sld>
 </file>
 
-<file path=ppt/slides/slide7.xml><?xml version="1.0" encoding="utf-8"?>
+<file path=ppt/slides/slide8.xml><?xml version="1.0" encoding="utf-8"?>
 <p:sld xmlns:a="http://schemas.openxmlformats.org/drawingml/2006/main" xmlns:r="http://schemas.openxmlformats.org/officeDocument/2006/relationships" xmlns:p="http://schemas.openxmlformats.org/presentationml/2006/main">
   <p:cSld>
     <p:spTree>
@@ -13123,114 +14400,6 @@
 </p:sld>
 </file>
 
-<file path=ppt/slides/slide8.xml><?xml version="1.0" encoding="utf-8"?>
-<p:sld xmlns:a="http://schemas.openxmlformats.org/drawingml/2006/main" xmlns:r="http://schemas.openxmlformats.org/officeDocument/2006/relationships" xmlns:p="http://schemas.openxmlformats.org/presentationml/2006/main">
-  <p:cSld>
-    <p:spTree>
-      <p:nvGrpSpPr>
-        <p:cNvPr id="1" name="Shape 190"/>
-        <p:cNvGrpSpPr/>
-        <p:nvPr/>
-      </p:nvGrpSpPr>
-      <p:grpSpPr>
-        <a:xfrm>
-          <a:off x="0" y="0"/>
-          <a:ext cx="0" cy="0"/>
-          <a:chOff x="0" y="0"/>
-          <a:chExt cx="0" cy="0"/>
-        </a:xfrm>
-      </p:grpSpPr>
-      <p:sp>
-        <p:nvSpPr>
-          <p:cNvPr id="197" name="Google Shape;197;p33"/>
-          <p:cNvSpPr txBox="1">
-            <a:spLocks noGrp="1"/>
-          </p:cNvSpPr>
-          <p:nvPr>
-            <p:ph type="ctrTitle"/>
-          </p:nvPr>
-        </p:nvSpPr>
-        <p:spPr>
-          <a:xfrm>
-            <a:off x="1964851" y="352850"/>
-            <a:ext cx="5214300" cy="637750"/>
-          </a:xfrm>
-          <a:prstGeom prst="rect">
-            <a:avLst/>
-          </a:prstGeom>
-        </p:spPr>
-        <p:txBody>
-          <a:bodyPr spcFirstLastPara="1" wrap="square" lIns="91425" tIns="91425" rIns="91425" bIns="91425" anchor="t" anchorCtr="0">
-            <a:noAutofit/>
-          </a:bodyPr>
-          <a:lstStyle/>
-          <a:p>
-            <a:pPr marL="0" lvl="0" indent="0" algn="ctr" rtl="0">
-              <a:spcBef>
-                <a:spcPts val="0"/>
-              </a:spcBef>
-              <a:spcAft>
-                <a:spcPts val="0"/>
-              </a:spcAft>
-              <a:buNone/>
-            </a:pPr>
-            <a:r>
-              <a:rPr lang="en" dirty="0"/>
-              <a:t>TRANSFORMER</a:t>
-            </a:r>
-            <a:endParaRPr dirty="0"/>
-          </a:p>
-        </p:txBody>
-      </p:sp>
-      <p:pic>
-        <p:nvPicPr>
-          <p:cNvPr id="3" name="Google Shape;227;p35">
-            <a:extLst>
-              <a:ext uri="{FF2B5EF4-FFF2-40B4-BE49-F238E27FC236}">
-                <a16:creationId xmlns:a16="http://schemas.microsoft.com/office/drawing/2014/main" id="{85E287E3-12F6-4E52-A8FE-46265D0742F0}"/>
-              </a:ext>
-            </a:extLst>
-          </p:cNvPr>
-          <p:cNvPicPr preferRelativeResize="0"/>
-          <p:nvPr/>
-        </p:nvPicPr>
-        <p:blipFill rotWithShape="1">
-          <a:blip r:embed="rId3"/>
-          <a:srcRect t="179" b="37"/>
-          <a:stretch/>
-        </p:blipFill>
-        <p:spPr>
-          <a:xfrm>
-            <a:off x="2013319" y="990600"/>
-            <a:ext cx="5117361" cy="3906730"/>
-          </a:xfrm>
-          <a:prstGeom prst="snip2DiagRect">
-            <a:avLst>
-              <a:gd name="adj1" fmla="val 22474"/>
-              <a:gd name="adj2" fmla="val 0"/>
-            </a:avLst>
-          </a:prstGeom>
-          <a:noFill/>
-          <a:ln w="19050">
-            <a:solidFill>
-              <a:schemeClr val="bg2"/>
-            </a:solidFill>
-          </a:ln>
-        </p:spPr>
-      </p:pic>
-    </p:spTree>
-    <p:extLst>
-      <p:ext uri="{BB962C8B-B14F-4D97-AF65-F5344CB8AC3E}">
-        <p14:creationId xmlns:p14="http://schemas.microsoft.com/office/powerpoint/2010/main" val="454047406"/>
-      </p:ext>
-    </p:extLst>
-  </p:cSld>
-  <p:clrMapOvr>
-    <a:masterClrMapping/>
-  </p:clrMapOvr>
-</p:sld>
-</file>
-
 <file path=ppt/slides/slide9.xml><?xml version="1.0" encoding="utf-8"?>
 <p:sld xmlns:a="http://schemas.openxmlformats.org/drawingml/2006/main" xmlns:r="http://schemas.openxmlformats.org/officeDocument/2006/relationships" xmlns:p="http://schemas.openxmlformats.org/presentationml/2006/main">
   <p:cSld>
@@ -13260,8 +14429,8 @@
         </p:nvSpPr>
         <p:spPr>
           <a:xfrm>
-            <a:off x="1964851" y="352850"/>
-            <a:ext cx="5214300" cy="637750"/>
+            <a:off x="770399" y="347665"/>
+            <a:ext cx="7603200" cy="637750"/>
           </a:xfrm>
           <a:prstGeom prst="rect">
             <a:avLst/>
@@ -13284,7 +14453,7 @@
             </a:pPr>
             <a:r>
               <a:rPr lang="en" dirty="0"/>
-              <a:t>RESULTS: TRANSFORMER</a:t>
+              <a:t>Using the model with a forced-rhymes approach</a:t>
             </a:r>
             <a:endParaRPr dirty="0"/>
           </a:p>
@@ -13295,7 +14464,7 @@
           <p:cNvPr id="3" name="Google Shape;227;p35">
             <a:extLst>
               <a:ext uri="{FF2B5EF4-FFF2-40B4-BE49-F238E27FC236}">
-                <a16:creationId xmlns:a16="http://schemas.microsoft.com/office/drawing/2014/main" id="{BE88EC17-7F03-4C1B-A7EB-078F9F2AE5D8}"/>
+                <a16:creationId xmlns:a16="http://schemas.microsoft.com/office/drawing/2014/main" id="{5DF7A4B3-92D1-446E-96E6-FAC2A59F31ED}"/>
               </a:ext>
             </a:extLst>
           </p:cNvPr>
@@ -13304,18 +14473,18 @@
         </p:nvPicPr>
         <p:blipFill rotWithShape="1">
           <a:blip r:embed="rId3"/>
-          <a:srcRect t="-853" b="268"/>
+          <a:srcRect l="528" r="2008"/>
           <a:stretch/>
         </p:blipFill>
         <p:spPr>
           <a:xfrm>
-            <a:off x="906950" y="990600"/>
-            <a:ext cx="7330099" cy="4030980"/>
+            <a:off x="260593" y="1360800"/>
+            <a:ext cx="8622813" cy="3116160"/>
           </a:xfrm>
           <a:prstGeom prst="snip2DiagRect">
             <a:avLst>
-              <a:gd name="adj1" fmla="val 5216"/>
-              <a:gd name="adj2" fmla="val 0"/>
+              <a:gd name="adj1" fmla="val 0"/>
+              <a:gd name="adj2" fmla="val 6007"/>
             </a:avLst>
           </a:prstGeom>
           <a:noFill/>
@@ -13329,7 +14498,7 @@
     </p:spTree>
     <p:extLst>
       <p:ext uri="{BB962C8B-B14F-4D97-AF65-F5344CB8AC3E}">
-        <p14:creationId xmlns:p14="http://schemas.microsoft.com/office/powerpoint/2010/main" val="1056837818"/>
+        <p14:creationId xmlns:p14="http://schemas.microsoft.com/office/powerpoint/2010/main" val="3523819546"/>
       </p:ext>
     </p:extLst>
   </p:cSld>
